--- a/Introduction to Xamarin/Introduction to Xamarin.pptx
+++ b/Introduction to Xamarin/Introduction to Xamarin.pptx
@@ -4181,193 +4181,6 @@
               <a:tabLst/>
               <a:defRPr/>
             </a:pPr>
-            <a:r>
-              <a:rPr lang="en-NZ" sz="1200" b="0" i="0" kern="1200" baseline="0" dirty="0">
-                <a:solidFill>
-                  <a:schemeClr val="tx1"/>
-                </a:solidFill>
-                <a:effectLst/>
-                <a:latin typeface="+mn-lt"/>
-                <a:ea typeface="+mn-ea"/>
-                <a:cs typeface="+mn-cs"/>
-              </a:rPr>
-              <a:t>Now for sharing code options. There are 3 methods available between cross platform applications, and today we will be going through 2 of the main ones: PCL and SL. We recommend using PCL or portable class library as the code is cleaner and hence more readable.</a:t>
-            </a:r>
-          </a:p>
-          <a:p>
-            <a:pPr marL="0" marR="0" lvl="0" indent="0" algn="l" defTabSz="914400" rtl="0" eaLnBrk="1" fontAlgn="auto" latinLnBrk="0" hangingPunct="1">
-              <a:lnSpc>
-                <a:spcPct val="100000"/>
-              </a:lnSpc>
-              <a:spcBef>
-                <a:spcPts val="0"/>
-              </a:spcBef>
-              <a:spcAft>
-                <a:spcPts val="0"/>
-              </a:spcAft>
-              <a:buClrTx/>
-              <a:buSzTx/>
-              <a:buFontTx/>
-              <a:buNone/>
-              <a:tabLst/>
-              <a:defRPr/>
-            </a:pPr>
-            <a:endParaRPr lang="en-NZ" sz="1200" b="0" i="0" kern="1200" baseline="0" dirty="0">
-              <a:solidFill>
-                <a:schemeClr val="tx1"/>
-              </a:solidFill>
-              <a:effectLst/>
-              <a:latin typeface="+mn-lt"/>
-              <a:ea typeface="+mn-ea"/>
-              <a:cs typeface="+mn-cs"/>
-            </a:endParaRPr>
-          </a:p>
-          <a:p>
-            <a:r>
-              <a:rPr lang="en-GB" sz="1200" kern="1200" dirty="0">
-                <a:solidFill>
-                  <a:schemeClr val="tx1"/>
-                </a:solidFill>
-                <a:effectLst/>
-                <a:latin typeface="+mn-lt"/>
-                <a:ea typeface="+mn-ea"/>
-                <a:cs typeface="+mn-cs"/>
-              </a:rPr>
-              <a:t>So, the main difference between PCL and SAP is how we deal with platform-specific</a:t>
-            </a:r>
-          </a:p>
-          <a:p>
-            <a:r>
-              <a:rPr lang="en-GB" sz="1200" kern="1200" dirty="0">
-                <a:solidFill>
-                  <a:schemeClr val="tx1"/>
-                </a:solidFill>
-                <a:effectLst/>
-                <a:latin typeface="+mn-lt"/>
-                <a:ea typeface="+mn-ea"/>
-                <a:cs typeface="+mn-cs"/>
-              </a:rPr>
-              <a:t>code:</a:t>
-            </a:r>
-          </a:p>
-          <a:p>
-            <a:r>
-              <a:rPr lang="en-GB" sz="1200" kern="1200" dirty="0">
-                <a:solidFill>
-                  <a:schemeClr val="tx1"/>
-                </a:solidFill>
-                <a:effectLst/>
-                <a:latin typeface="+mn-lt"/>
-                <a:ea typeface="+mn-ea"/>
-                <a:cs typeface="+mn-cs"/>
-              </a:rPr>
-              <a:t>• PCL: Using the Device class</a:t>
-            </a:r>
-          </a:p>
-          <a:p>
-            <a:r>
-              <a:rPr lang="en-GB" sz="1200" kern="1200" dirty="0">
-                <a:solidFill>
-                  <a:schemeClr val="tx1"/>
-                </a:solidFill>
-                <a:effectLst/>
-                <a:latin typeface="+mn-lt"/>
-                <a:ea typeface="+mn-ea"/>
-                <a:cs typeface="+mn-cs"/>
-              </a:rPr>
-              <a:t>• SAP: Using </a:t>
-            </a:r>
-            <a:r>
-              <a:rPr lang="en-GB" sz="1200" kern="1200" dirty="0" err="1">
-                <a:solidFill>
-                  <a:schemeClr val="tx1"/>
-                </a:solidFill>
-                <a:effectLst/>
-                <a:latin typeface="+mn-lt"/>
-                <a:ea typeface="+mn-ea"/>
-                <a:cs typeface="+mn-cs"/>
-              </a:rPr>
-              <a:t>preprocessor</a:t>
-            </a:r>
-            <a:r>
-              <a:rPr lang="en-GB" sz="1200" kern="1200" dirty="0">
-                <a:solidFill>
-                  <a:schemeClr val="tx1"/>
-                </a:solidFill>
-                <a:effectLst/>
-                <a:latin typeface="+mn-lt"/>
-                <a:ea typeface="+mn-ea"/>
-                <a:cs typeface="+mn-cs"/>
-              </a:rPr>
-              <a:t> directives (#if, #</a:t>
-            </a:r>
-            <a:r>
-              <a:rPr lang="en-GB" sz="1200" kern="1200" dirty="0" err="1">
-                <a:solidFill>
-                  <a:schemeClr val="tx1"/>
-                </a:solidFill>
-                <a:effectLst/>
-                <a:latin typeface="+mn-lt"/>
-                <a:ea typeface="+mn-ea"/>
-                <a:cs typeface="+mn-cs"/>
-              </a:rPr>
-              <a:t>elif</a:t>
-            </a:r>
-            <a:r>
-              <a:rPr lang="en-GB" sz="1200" kern="1200" dirty="0">
-                <a:solidFill>
-                  <a:schemeClr val="tx1"/>
-                </a:solidFill>
-                <a:effectLst/>
-                <a:latin typeface="+mn-lt"/>
-                <a:ea typeface="+mn-ea"/>
-                <a:cs typeface="+mn-cs"/>
-              </a:rPr>
-              <a:t>, #</a:t>
-            </a:r>
-            <a:r>
-              <a:rPr lang="en-GB" sz="1200" kern="1200" dirty="0" err="1">
-                <a:solidFill>
-                  <a:schemeClr val="tx1"/>
-                </a:solidFill>
-                <a:effectLst/>
-                <a:latin typeface="+mn-lt"/>
-                <a:ea typeface="+mn-ea"/>
-                <a:cs typeface="+mn-cs"/>
-              </a:rPr>
-              <a:t>endif</a:t>
-            </a:r>
-            <a:r>
-              <a:rPr lang="en-GB" sz="1200" kern="1200" dirty="0">
-                <a:solidFill>
-                  <a:schemeClr val="tx1"/>
-                </a:solidFill>
-                <a:effectLst/>
-                <a:latin typeface="+mn-lt"/>
-                <a:ea typeface="+mn-ea"/>
-                <a:cs typeface="+mn-cs"/>
-              </a:rPr>
-              <a:t>)</a:t>
-            </a:r>
-          </a:p>
-          <a:p>
-            <a:pPr marL="0" marR="0" lvl="0" indent="0" algn="l" defTabSz="914400" rtl="0" eaLnBrk="1" fontAlgn="auto" latinLnBrk="0" hangingPunct="1">
-              <a:lnSpc>
-                <a:spcPct val="100000"/>
-              </a:lnSpc>
-              <a:spcBef>
-                <a:spcPts val="0"/>
-              </a:spcBef>
-              <a:spcAft>
-                <a:spcPts val="0"/>
-              </a:spcAft>
-              <a:buClrTx/>
-              <a:buSzTx/>
-              <a:buFontTx/>
-              <a:buNone/>
-              <a:tabLst/>
-              <a:defRPr/>
-            </a:pPr>
             <a:endParaRPr lang="en-NZ" sz="1200" b="0" i="0" kern="1200" baseline="0" dirty="0">
               <a:solidFill>
                 <a:schemeClr val="tx1"/>
@@ -8413,7 +8226,7 @@
           <a:blip r:embed="rId5">
             <a:extLst>
               <a:ext uri="{96DAC541-7B7A-43D3-8B79-37D633B846F1}">
-                <asvg:svgBlip xmlns="" xmlns:asvg="http://schemas.microsoft.com/office/drawing/2016/SVG/main" r:embed="rId6"/>
+                <asvg:svgBlip xmlns:asvg="http://schemas.microsoft.com/office/drawing/2016/SVG/main" xmlns="" r:embed="rId6"/>
               </a:ext>
             </a:extLst>
           </a:blip>
